--- a/presentation/itsviat/presentation.pptx
+++ b/presentation/itsviat/presentation.pptx
@@ -3201,7 +3201,19 @@
                 </a:solidFill>
                 <a:latin typeface="Ubuntu" panose="020B0504030602030204" pitchFamily="34" charset="0"/>
               </a:rPr>
-              <a:t>Проект от </a:t>
+              <a:t>Проект </a:t>
+            </a:r>
+            <a:r>
+              <a:rPr lang="bg-BG" sz="2400" b="1" dirty="0" smtClean="0">
+                <a:solidFill>
+                  <a:schemeClr val="tx1">
+                    <a:lumMod val="75000"/>
+                    <a:lumOff val="25000"/>
+                  </a:schemeClr>
+                </a:solidFill>
+                <a:latin typeface="Ubuntu" panose="020B0504030602030204" pitchFamily="34" charset="0"/>
+              </a:rPr>
+              <a:t>на </a:t>
             </a:r>
             <a:r>
               <a:rPr lang="en-GB" sz="2400" b="1" dirty="0" smtClean="0">
@@ -3213,19 +3225,7 @@
                 </a:solidFill>
                 <a:latin typeface="Ubuntu" panose="020B0504030602030204" pitchFamily="34" charset="0"/>
               </a:rPr>
-              <a:t>Delirium </a:t>
-            </a:r>
-            <a:r>
-              <a:rPr lang="en-GB" sz="2400" b="1" dirty="0" smtClean="0">
-                <a:solidFill>
-                  <a:schemeClr val="tx1">
-                    <a:lumMod val="75000"/>
-                    <a:lumOff val="25000"/>
-                  </a:schemeClr>
-                </a:solidFill>
-                <a:latin typeface="Ubuntu" panose="020B0504030602030204" pitchFamily="34" charset="0"/>
-              </a:rPr>
-              <a:t>Products!</a:t>
+              <a:t>Delirium Products!</a:t>
             </a:r>
           </a:p>
           <a:p>
@@ -3436,7 +3436,43 @@
                 </a:solidFill>
                 <a:latin typeface="Ubuntu" panose="020B0504030602030204" pitchFamily="34" charset="0"/>
               </a:rPr>
-              <a:t>Добавяне на плащане и повече езици</a:t>
+              <a:t>Добавяне </a:t>
+            </a:r>
+            <a:r>
+              <a:rPr lang="bg-BG" sz="2800" b="1" smtClean="0">
+                <a:solidFill>
+                  <a:schemeClr val="tx1">
+                    <a:lumMod val="75000"/>
+                    <a:lumOff val="25000"/>
+                  </a:schemeClr>
+                </a:solidFill>
+                <a:latin typeface="Ubuntu" panose="020B0504030602030204" pitchFamily="34" charset="0"/>
+              </a:rPr>
+              <a:t>на </a:t>
+            </a:r>
+            <a:r>
+              <a:rPr lang="bg-BG" sz="2800" b="1" smtClean="0">
+                <a:solidFill>
+                  <a:schemeClr val="tx1">
+                    <a:lumMod val="75000"/>
+                    <a:lumOff val="25000"/>
+                  </a:schemeClr>
+                </a:solidFill>
+                <a:latin typeface="Ubuntu" panose="020B0504030602030204" pitchFamily="34" charset="0"/>
+              </a:rPr>
+              <a:t>опции за плащане </a:t>
+            </a:r>
+            <a:r>
+              <a:rPr lang="bg-BG" sz="2800" b="1" dirty="0" smtClean="0">
+                <a:solidFill>
+                  <a:schemeClr val="tx1">
+                    <a:lumMod val="75000"/>
+                    <a:lumOff val="25000"/>
+                  </a:schemeClr>
+                </a:solidFill>
+                <a:latin typeface="Ubuntu" panose="020B0504030602030204" pitchFamily="34" charset="0"/>
+              </a:rPr>
+              <a:t>и повече езици</a:t>
             </a:r>
             <a:endParaRPr lang="en-GB" sz="2800" b="1" dirty="0">
               <a:solidFill>
@@ -3484,7 +3520,43 @@
                 </a:solidFill>
                 <a:latin typeface="Ubuntu" panose="020B0504030602030204" pitchFamily="34" charset="0"/>
               </a:rPr>
-              <a:t> Интегриране в ресторанти (3 бъдещи клиенти)</a:t>
+              <a:t> Интегриране в ресторанти (3 бъдещи </a:t>
+            </a:r>
+            <a:r>
+              <a:rPr lang="bg-BG" sz="2800" b="1" dirty="0" smtClean="0">
+                <a:solidFill>
+                  <a:schemeClr val="tx1">
+                    <a:lumMod val="75000"/>
+                    <a:lumOff val="25000"/>
+                  </a:schemeClr>
+                </a:solidFill>
+                <a:latin typeface="Ubuntu" panose="020B0504030602030204" pitchFamily="34" charset="0"/>
+              </a:rPr>
+              <a:t>клиент</a:t>
+            </a:r>
+            <a:r>
+              <a:rPr lang="bg-BG" sz="2800" b="1" dirty="0">
+                <a:solidFill>
+                  <a:schemeClr val="tx1">
+                    <a:lumMod val="75000"/>
+                    <a:lumOff val="25000"/>
+                  </a:schemeClr>
+                </a:solidFill>
+                <a:latin typeface="Ubuntu" panose="020B0504030602030204" pitchFamily="34" charset="0"/>
+              </a:rPr>
+              <a:t>а</a:t>
+            </a:r>
+            <a:r>
+              <a:rPr lang="bg-BG" sz="2800" b="1" dirty="0" smtClean="0">
+                <a:solidFill>
+                  <a:schemeClr val="tx1">
+                    <a:lumMod val="75000"/>
+                    <a:lumOff val="25000"/>
+                  </a:schemeClr>
+                </a:solidFill>
+                <a:latin typeface="Ubuntu" panose="020B0504030602030204" pitchFamily="34" charset="0"/>
+              </a:rPr>
+              <a:t>)</a:t>
             </a:r>
             <a:endParaRPr lang="en-GB" sz="2800" b="1" dirty="0">
               <a:solidFill>
@@ -3532,19 +3604,7 @@
                 </a:solidFill>
                 <a:latin typeface="Ubuntu" panose="020B0504030602030204" pitchFamily="34" charset="0"/>
               </a:rPr>
-              <a:t>У</a:t>
-            </a:r>
-            <a:r>
-              <a:rPr lang="bg-BG" sz="2800" b="1" dirty="0" smtClean="0">
-                <a:solidFill>
-                  <a:schemeClr val="tx1">
-                    <a:lumMod val="75000"/>
-                    <a:lumOff val="25000"/>
-                  </a:schemeClr>
-                </a:solidFill>
-                <a:latin typeface="Ubuntu" panose="020B0504030602030204" pitchFamily="34" charset="0"/>
-              </a:rPr>
-              <a:t>съвършенстване, базирано на обратна връзка</a:t>
+              <a:t>Усъвършенстване, базирано на обратна връзка</a:t>
             </a:r>
             <a:endParaRPr lang="en-GB" sz="2800" b="1" dirty="0" smtClean="0">
               <a:solidFill>
@@ -5061,7 +5121,31 @@
                 </a:solidFill>
                 <a:latin typeface="Ubuntu" panose="020B0504030602030204" pitchFamily="34" charset="0"/>
               </a:rPr>
-              <a:t>Високите заплати на сервитьори</a:t>
+              <a:t>Високите </a:t>
+            </a:r>
+            <a:r>
+              <a:rPr lang="bg-BG" sz="2800" b="1" dirty="0" smtClean="0">
+                <a:solidFill>
+                  <a:schemeClr val="tx1">
+                    <a:lumMod val="75000"/>
+                    <a:lumOff val="25000"/>
+                  </a:schemeClr>
+                </a:solidFill>
+                <a:latin typeface="Ubuntu" panose="020B0504030602030204" pitchFamily="34" charset="0"/>
+              </a:rPr>
+              <a:t>разходи </a:t>
+            </a:r>
+            <a:r>
+              <a:rPr lang="bg-BG" sz="2800" b="1" dirty="0" smtClean="0">
+                <a:solidFill>
+                  <a:schemeClr val="tx1">
+                    <a:lumMod val="75000"/>
+                    <a:lumOff val="25000"/>
+                  </a:schemeClr>
+                </a:solidFill>
+                <a:latin typeface="Ubuntu" panose="020B0504030602030204" pitchFamily="34" charset="0"/>
+              </a:rPr>
+              <a:t>по сервитьори</a:t>
             </a:r>
             <a:endParaRPr lang="en-GB" sz="2800" b="1" dirty="0" smtClean="0">
               <a:solidFill>
@@ -5650,19 +5734,7 @@
                 </a:solidFill>
                 <a:latin typeface="Ubuntu" panose="020B0504030602030204" pitchFamily="34" charset="0"/>
               </a:rPr>
-              <a:t>Поддържа </a:t>
-            </a:r>
-            <a:r>
-              <a:rPr lang="bg-BG" sz="2800" b="1" dirty="0" smtClean="0">
-                <a:solidFill>
-                  <a:schemeClr val="tx1">
-                    <a:lumMod val="75000"/>
-                    <a:lumOff val="25000"/>
-                  </a:schemeClr>
-                </a:solidFill>
-                <a:latin typeface="Ubuntu" panose="020B0504030602030204" pitchFamily="34" charset="0"/>
-              </a:rPr>
-              <a:t>всички устройства</a:t>
+              <a:t>Поддържа всички устройства</a:t>
             </a:r>
             <a:endParaRPr lang="en-GB" sz="2800" b="1" dirty="0">
               <a:solidFill>
@@ -5972,25 +6044,7 @@
                 </a:gradFill>
                 <a:latin typeface="Ubuntu" panose="020B0504030602030204" pitchFamily="34" charset="0"/>
               </a:rPr>
-              <a:t>Фун</a:t>
-            </a:r>
-            <a:r>
-              <a:rPr lang="bg-BG" sz="8800" b="1" dirty="0" smtClean="0">
-                <a:gradFill flip="none" rotWithShape="1">
-                  <a:gsLst>
-                    <a:gs pos="100000">
-                      <a:srgbClr val="EA6984"/>
-                    </a:gs>
-                    <a:gs pos="0">
-                      <a:srgbClr val="D56AA0"/>
-                    </a:gs>
-                  </a:gsLst>
-                  <a:lin ang="13500000" scaled="1"/>
-                  <a:tileRect/>
-                </a:gradFill>
-                <a:latin typeface="Ubuntu" panose="020B0504030602030204" pitchFamily="34" charset="0"/>
-              </a:rPr>
-              <a:t>кции</a:t>
+              <a:t>Функции</a:t>
             </a:r>
             <a:endParaRPr lang="en-GB" sz="4000" b="1" dirty="0">
               <a:gradFill flip="none" rotWithShape="1">
@@ -6743,15 +6797,6 @@
               </a:rPr>
               <a:t>!</a:t>
             </a:r>
-            <a:endParaRPr lang="en-GB" sz="1600" dirty="0" smtClean="0">
-              <a:solidFill>
-                <a:schemeClr val="tx1">
-                  <a:lumMod val="75000"/>
-                  <a:lumOff val="25000"/>
-                </a:schemeClr>
-              </a:solidFill>
-              <a:latin typeface="Ubuntu" panose="020B0504030602030204" pitchFamily="34" charset="0"/>
-            </a:endParaRPr>
           </a:p>
         </p:txBody>
       </p:sp>
@@ -6801,7 +6846,55 @@
                 </a:solidFill>
                 <a:latin typeface="Ubuntu" panose="020B0504030602030204" pitchFamily="34" charset="0"/>
               </a:rPr>
-              <a:t>Изградено с най-новите технлогии, предоставайки ви изключително бързо приложение.</a:t>
+              <a:t>Изградено с най-новите </a:t>
+            </a:r>
+            <a:r>
+              <a:rPr lang="bg-BG" sz="1600" dirty="0" smtClean="0">
+                <a:solidFill>
+                  <a:schemeClr val="tx1">
+                    <a:lumMod val="75000"/>
+                    <a:lumOff val="25000"/>
+                  </a:schemeClr>
+                </a:solidFill>
+                <a:latin typeface="Ubuntu" panose="020B0504030602030204" pitchFamily="34" charset="0"/>
+              </a:rPr>
+              <a:t>технологии</a:t>
+            </a:r>
+            <a:r>
+              <a:rPr lang="bg-BG" sz="1600" dirty="0" smtClean="0">
+                <a:solidFill>
+                  <a:schemeClr val="tx1">
+                    <a:lumMod val="75000"/>
+                    <a:lumOff val="25000"/>
+                  </a:schemeClr>
+                </a:solidFill>
+                <a:latin typeface="Ubuntu" panose="020B0504030602030204" pitchFamily="34" charset="0"/>
+              </a:rPr>
+              <a:t>, предоставайки </a:t>
+            </a:r>
+            <a:r>
+              <a:rPr lang="bg-BG" sz="1600" dirty="0" smtClean="0">
+                <a:solidFill>
+                  <a:schemeClr val="tx1">
+                    <a:lumMod val="75000"/>
+                    <a:lumOff val="25000"/>
+                  </a:schemeClr>
+                </a:solidFill>
+                <a:latin typeface="Ubuntu" panose="020B0504030602030204" pitchFamily="34" charset="0"/>
+              </a:rPr>
+              <a:t>Ви </a:t>
+            </a:r>
+            <a:r>
+              <a:rPr lang="bg-BG" sz="1600" dirty="0" smtClean="0">
+                <a:solidFill>
+                  <a:schemeClr val="tx1">
+                    <a:lumMod val="75000"/>
+                    <a:lumOff val="25000"/>
+                  </a:schemeClr>
+                </a:solidFill>
+                <a:latin typeface="Ubuntu" panose="020B0504030602030204" pitchFamily="34" charset="0"/>
+              </a:rPr>
+              <a:t>изключително бързо приложение.</a:t>
             </a:r>
             <a:endParaRPr lang="en-GB" sz="1600" dirty="0" smtClean="0">
               <a:solidFill>
@@ -11398,15 +11491,6 @@
               </a:rPr>
               <a:t>UI</a:t>
             </a:r>
-            <a:endParaRPr lang="en-GB" sz="2800" b="1" dirty="0" smtClean="0">
-              <a:solidFill>
-                <a:schemeClr val="tx1">
-                  <a:lumMod val="75000"/>
-                  <a:lumOff val="25000"/>
-                </a:schemeClr>
-              </a:solidFill>
-              <a:latin typeface="Ubuntu" panose="020B0504030602030204" pitchFamily="34" charset="0"/>
-            </a:endParaRPr>
           </a:p>
           <a:p>
             <a:pPr lvl="1"/>
@@ -12232,19 +12316,7 @@
                 </a:solidFill>
                 <a:latin typeface="Ubuntu" panose="020B0504030602030204" pitchFamily="34" charset="0"/>
               </a:rPr>
-              <a:t> </a:t>
-            </a:r>
-            <a:r>
-              <a:rPr lang="en-GB" sz="2400" b="1" dirty="0" smtClean="0">
-                <a:solidFill>
-                  <a:schemeClr val="tx1">
-                    <a:lumMod val="75000"/>
-                    <a:lumOff val="25000"/>
-                  </a:schemeClr>
-                </a:solidFill>
-                <a:latin typeface="Ubuntu" panose="020B0504030602030204" pitchFamily="34" charset="0"/>
-              </a:rPr>
-              <a:t>API </a:t>
+              <a:t> API </a:t>
             </a:r>
             <a:r>
               <a:rPr lang="bg-BG" sz="2400" b="1" dirty="0" smtClean="0">
@@ -12591,19 +12663,7 @@
                 </a:solidFill>
                 <a:latin typeface="Ubuntu" panose="020B0504030602030204" pitchFamily="34" charset="0"/>
               </a:rPr>
-              <a:t> </a:t>
-            </a:r>
-            <a:r>
-              <a:rPr lang="en-GB" sz="2400" b="1" dirty="0" smtClean="0">
-                <a:solidFill>
-                  <a:schemeClr val="tx1">
-                    <a:lumMod val="75000"/>
-                    <a:lumOff val="25000"/>
-                  </a:schemeClr>
-                </a:solidFill>
-                <a:latin typeface="Ubuntu" panose="020B0504030602030204" pitchFamily="34" charset="0"/>
-              </a:rPr>
-              <a:t>&amp; </a:t>
+              <a:t> &amp; </a:t>
             </a:r>
             <a:r>
               <a:rPr lang="en-GB" sz="2400" b="1" dirty="0" err="1" smtClean="0">

--- a/presentation/itsviat/presentation.pptx
+++ b/presentation/itsviat/presentation.pptx
@@ -254,7 +254,7 @@
           <a:p>
             <a:fld id="{3F05D807-3FBC-4F6F-9B3B-F8E209AEAD47}" type="datetimeFigureOut">
               <a:rPr lang="en-GB" smtClean="0"/>
-              <a:t>29/05/2019</a:t>
+              <a:t>01/06/2019</a:t>
             </a:fld>
             <a:endParaRPr lang="en-GB"/>
           </a:p>
@@ -424,7 +424,7 @@
           <a:p>
             <a:fld id="{3F05D807-3FBC-4F6F-9B3B-F8E209AEAD47}" type="datetimeFigureOut">
               <a:rPr lang="en-GB" smtClean="0"/>
-              <a:t>29/05/2019</a:t>
+              <a:t>01/06/2019</a:t>
             </a:fld>
             <a:endParaRPr lang="en-GB"/>
           </a:p>
@@ -604,7 +604,7 @@
           <a:p>
             <a:fld id="{3F05D807-3FBC-4F6F-9B3B-F8E209AEAD47}" type="datetimeFigureOut">
               <a:rPr lang="en-GB" smtClean="0"/>
-              <a:t>29/05/2019</a:t>
+              <a:t>01/06/2019</a:t>
             </a:fld>
             <a:endParaRPr lang="en-GB"/>
           </a:p>
@@ -774,7 +774,7 @@
           <a:p>
             <a:fld id="{3F05D807-3FBC-4F6F-9B3B-F8E209AEAD47}" type="datetimeFigureOut">
               <a:rPr lang="en-GB" smtClean="0"/>
-              <a:t>29/05/2019</a:t>
+              <a:t>01/06/2019</a:t>
             </a:fld>
             <a:endParaRPr lang="en-GB"/>
           </a:p>
@@ -1020,7 +1020,7 @@
           <a:p>
             <a:fld id="{3F05D807-3FBC-4F6F-9B3B-F8E209AEAD47}" type="datetimeFigureOut">
               <a:rPr lang="en-GB" smtClean="0"/>
-              <a:t>29/05/2019</a:t>
+              <a:t>01/06/2019</a:t>
             </a:fld>
             <a:endParaRPr lang="en-GB"/>
           </a:p>
@@ -1252,7 +1252,7 @@
           <a:p>
             <a:fld id="{3F05D807-3FBC-4F6F-9B3B-F8E209AEAD47}" type="datetimeFigureOut">
               <a:rPr lang="en-GB" smtClean="0"/>
-              <a:t>29/05/2019</a:t>
+              <a:t>01/06/2019</a:t>
             </a:fld>
             <a:endParaRPr lang="en-GB"/>
           </a:p>
@@ -1619,7 +1619,7 @@
           <a:p>
             <a:fld id="{3F05D807-3FBC-4F6F-9B3B-F8E209AEAD47}" type="datetimeFigureOut">
               <a:rPr lang="en-GB" smtClean="0"/>
-              <a:t>29/05/2019</a:t>
+              <a:t>01/06/2019</a:t>
             </a:fld>
             <a:endParaRPr lang="en-GB"/>
           </a:p>
@@ -1737,7 +1737,7 @@
           <a:p>
             <a:fld id="{3F05D807-3FBC-4F6F-9B3B-F8E209AEAD47}" type="datetimeFigureOut">
               <a:rPr lang="en-GB" smtClean="0"/>
-              <a:t>29/05/2019</a:t>
+              <a:t>01/06/2019</a:t>
             </a:fld>
             <a:endParaRPr lang="en-GB"/>
           </a:p>
@@ -1832,7 +1832,7 @@
           <a:p>
             <a:fld id="{3F05D807-3FBC-4F6F-9B3B-F8E209AEAD47}" type="datetimeFigureOut">
               <a:rPr lang="en-GB" smtClean="0"/>
-              <a:t>29/05/2019</a:t>
+              <a:t>01/06/2019</a:t>
             </a:fld>
             <a:endParaRPr lang="en-GB"/>
           </a:p>
@@ -2109,7 +2109,7 @@
           <a:p>
             <a:fld id="{3F05D807-3FBC-4F6F-9B3B-F8E209AEAD47}" type="datetimeFigureOut">
               <a:rPr lang="en-GB" smtClean="0"/>
-              <a:t>29/05/2019</a:t>
+              <a:t>01/06/2019</a:t>
             </a:fld>
             <a:endParaRPr lang="en-GB"/>
           </a:p>
@@ -2362,7 +2362,7 @@
           <a:p>
             <a:fld id="{3F05D807-3FBC-4F6F-9B3B-F8E209AEAD47}" type="datetimeFigureOut">
               <a:rPr lang="en-GB" smtClean="0"/>
-              <a:t>29/05/2019</a:t>
+              <a:t>01/06/2019</a:t>
             </a:fld>
             <a:endParaRPr lang="en-GB"/>
           </a:p>
@@ -2575,7 +2575,7 @@
           <a:p>
             <a:fld id="{3F05D807-3FBC-4F6F-9B3B-F8E209AEAD47}" type="datetimeFigureOut">
               <a:rPr lang="en-GB" smtClean="0"/>
-              <a:t>29/05/2019</a:t>
+              <a:t>01/06/2019</a:t>
             </a:fld>
             <a:endParaRPr lang="en-GB"/>
           </a:p>
@@ -3201,19 +3201,7 @@
                 </a:solidFill>
                 <a:latin typeface="Ubuntu" panose="020B0504030602030204" pitchFamily="34" charset="0"/>
               </a:rPr>
-              <a:t>Проект </a:t>
-            </a:r>
-            <a:r>
-              <a:rPr lang="bg-BG" sz="2400" b="1" dirty="0" smtClean="0">
-                <a:solidFill>
-                  <a:schemeClr val="tx1">
-                    <a:lumMod val="75000"/>
-                    <a:lumOff val="25000"/>
-                  </a:schemeClr>
-                </a:solidFill>
-                <a:latin typeface="Ubuntu" panose="020B0504030602030204" pitchFamily="34" charset="0"/>
-              </a:rPr>
-              <a:t>на </a:t>
+              <a:t>Проект на </a:t>
             </a:r>
             <a:r>
               <a:rPr lang="en-GB" sz="2400" b="1" dirty="0" smtClean="0">
@@ -3448,19 +3436,7 @@
                 </a:solidFill>
                 <a:latin typeface="Ubuntu" panose="020B0504030602030204" pitchFamily="34" charset="0"/>
               </a:rPr>
-              <a:t>на </a:t>
-            </a:r>
-            <a:r>
-              <a:rPr lang="bg-BG" sz="2800" b="1" smtClean="0">
-                <a:solidFill>
-                  <a:schemeClr val="tx1">
-                    <a:lumMod val="75000"/>
-                    <a:lumOff val="25000"/>
-                  </a:schemeClr>
-                </a:solidFill>
-                <a:latin typeface="Ubuntu" panose="020B0504030602030204" pitchFamily="34" charset="0"/>
-              </a:rPr>
-              <a:t>опции за плащане </a:t>
+              <a:t>на опции за плащане </a:t>
             </a:r>
             <a:r>
               <a:rPr lang="bg-BG" sz="2800" b="1" dirty="0" smtClean="0">
@@ -3520,19 +3496,7 @@
                 </a:solidFill>
                 <a:latin typeface="Ubuntu" panose="020B0504030602030204" pitchFamily="34" charset="0"/>
               </a:rPr>
-              <a:t> Интегриране в ресторанти (3 бъдещи </a:t>
-            </a:r>
-            <a:r>
-              <a:rPr lang="bg-BG" sz="2800" b="1" dirty="0" smtClean="0">
-                <a:solidFill>
-                  <a:schemeClr val="tx1">
-                    <a:lumMod val="75000"/>
-                    <a:lumOff val="25000"/>
-                  </a:schemeClr>
-                </a:solidFill>
-                <a:latin typeface="Ubuntu" panose="020B0504030602030204" pitchFamily="34" charset="0"/>
-              </a:rPr>
-              <a:t>клиент</a:t>
+              <a:t> Интегриране в ресторанти (3 бъдещи клиент</a:t>
             </a:r>
             <a:r>
               <a:rPr lang="bg-BG" sz="2800" b="1" dirty="0">
@@ -3963,7 +3927,7 @@
                   <a:lin ang="13500000" scaled="1"/>
                   <a:tileRect/>
                 </a:gradFill>
-                <a:latin typeface="Nunito Black" panose="00000A00000000000000" pitchFamily="2" charset="0"/>
+                <a:latin typeface="Ubuntu" panose="020B0504030602030204" pitchFamily="34" charset="0"/>
               </a:rPr>
               <a:t>Delirium Products!</a:t>
             </a:r>
@@ -3980,7 +3944,7 @@
                 <a:lin ang="13500000" scaled="1"/>
                 <a:tileRect/>
               </a:gradFill>
-              <a:latin typeface="Nunito Black" panose="00000A00000000000000" pitchFamily="2" charset="0"/>
+              <a:latin typeface="Ubuntu" panose="020B0504030602030204" pitchFamily="34" charset="0"/>
             </a:endParaRPr>
           </a:p>
         </p:txBody>
@@ -4295,16 +4259,16 @@
           </a:lstStyle>
           <a:p>
             <a:r>
-              <a:rPr lang="en-GB" sz="4000" b="1" dirty="0" smtClean="0">
-                <a:solidFill>
-                  <a:schemeClr val="tx1">
-                    <a:lumMod val="75000"/>
-                    <a:lumOff val="25000"/>
-                  </a:schemeClr>
-                </a:solidFill>
-                <a:latin typeface="Nunito Black" panose="00000A00000000000000" pitchFamily="2" charset="0"/>
-              </a:rPr>
-              <a:t>Simo Aleksandrov</a:t>
+              <a:rPr lang="bg-BG" sz="4000" b="1" dirty="0" smtClean="0">
+                <a:solidFill>
+                  <a:schemeClr val="tx1">
+                    <a:lumMod val="75000"/>
+                    <a:lumOff val="25000"/>
+                  </a:schemeClr>
+                </a:solidFill>
+                <a:latin typeface="Ubuntu" panose="020B0504030602030204" pitchFamily="34" charset="0"/>
+              </a:rPr>
+              <a:t>Симо Александров</a:t>
             </a:r>
             <a:endParaRPr lang="en-GB" sz="1400" b="1" dirty="0">
               <a:solidFill>
@@ -4313,7 +4277,7 @@
                   <a:lumOff val="25000"/>
                 </a:schemeClr>
               </a:solidFill>
-              <a:latin typeface="Nunito Black" panose="00000A00000000000000" pitchFamily="2" charset="0"/>
+              <a:latin typeface="Ubuntu" panose="020B0504030602030204" pitchFamily="34" charset="0"/>
             </a:endParaRPr>
           </a:p>
         </p:txBody>
@@ -4360,26 +4324,29 @@
           </a:lstStyle>
           <a:p>
             <a:r>
-              <a:rPr lang="en-GB" sz="4000" b="1" dirty="0" smtClean="0">
-                <a:solidFill>
-                  <a:schemeClr val="tx1">
-                    <a:lumMod val="75000"/>
-                    <a:lumOff val="25000"/>
-                  </a:schemeClr>
-                </a:solidFill>
-                <a:latin typeface="Nunito Black" panose="00000A00000000000000" pitchFamily="2" charset="0"/>
-              </a:rPr>
-              <a:t>Lyubo Lyubchev</a:t>
-            </a:r>
-            <a:endParaRPr lang="en-GB" sz="1400" b="1" dirty="0">
-              <a:solidFill>
-                <a:schemeClr val="tx1">
-                  <a:lumMod val="75000"/>
-                  <a:lumOff val="25000"/>
-                </a:schemeClr>
-              </a:solidFill>
-              <a:latin typeface="Nunito Black" panose="00000A00000000000000" pitchFamily="2" charset="0"/>
-            </a:endParaRPr>
+              <a:rPr lang="bg-BG" sz="4000" b="1" dirty="0" smtClean="0">
+                <a:solidFill>
+                  <a:schemeClr val="tx1">
+                    <a:lumMod val="75000"/>
+                    <a:lumOff val="25000"/>
+                  </a:schemeClr>
+                </a:solidFill>
+                <a:latin typeface="Ubuntu" panose="020B0504030602030204" pitchFamily="34" charset="0"/>
+              </a:rPr>
+              <a:t>Лю</a:t>
+            </a:r>
+            <a:r>
+              <a:rPr lang="bg-BG" sz="4000" b="1" dirty="0" smtClean="0">
+                <a:solidFill>
+                  <a:schemeClr val="tx1">
+                    <a:lumMod val="75000"/>
+                    <a:lumOff val="25000"/>
+                  </a:schemeClr>
+                </a:solidFill>
+                <a:latin typeface="Ubuntu" panose="020B0504030602030204" pitchFamily="34" charset="0"/>
+              </a:rPr>
+              <a:t>бо Любчев</a:t>
+            </a:r>
           </a:p>
         </p:txBody>
       </p:sp>
@@ -4431,7 +4398,7 @@
                     <a:lumMod val="65000"/>
                   </a:schemeClr>
                 </a:solidFill>
-                <a:latin typeface="Nunito Black" panose="00000A00000000000000" pitchFamily="2" charset="0"/>
+                <a:latin typeface="Ubuntu" panose="020B0504030602030204" pitchFamily="34" charset="0"/>
               </a:rPr>
               <a:t>@fr3fou</a:t>
             </a:r>
@@ -4441,7 +4408,7 @@
                   <a:lumMod val="65000"/>
                 </a:schemeClr>
               </a:solidFill>
-              <a:latin typeface="Nunito Black" panose="00000A00000000000000" pitchFamily="2" charset="0"/>
+              <a:latin typeface="Ubuntu" panose="020B0504030602030204" pitchFamily="34" charset="0"/>
             </a:endParaRPr>
           </a:p>
         </p:txBody>
@@ -4494,7 +4461,7 @@
                     <a:lumMod val="65000"/>
                   </a:schemeClr>
                 </a:solidFill>
-                <a:latin typeface="Nunito Black" panose="00000A00000000000000" pitchFamily="2" charset="0"/>
+                <a:latin typeface="Ubuntu" panose="020B0504030602030204" pitchFamily="34" charset="0"/>
               </a:rPr>
               <a:t>@impzero</a:t>
             </a:r>
@@ -4504,7 +4471,7 @@
                   <a:lumMod val="65000"/>
                 </a:schemeClr>
               </a:solidFill>
-              <a:latin typeface="Nunito Black" panose="00000A00000000000000" pitchFamily="2" charset="0"/>
+              <a:latin typeface="Ubuntu" panose="020B0504030602030204" pitchFamily="34" charset="0"/>
             </a:endParaRPr>
           </a:p>
         </p:txBody>
@@ -5121,31 +5088,7 @@
                 </a:solidFill>
                 <a:latin typeface="Ubuntu" panose="020B0504030602030204" pitchFamily="34" charset="0"/>
               </a:rPr>
-              <a:t>Високите </a:t>
-            </a:r>
-            <a:r>
-              <a:rPr lang="bg-BG" sz="2800" b="1" dirty="0" smtClean="0">
-                <a:solidFill>
-                  <a:schemeClr val="tx1">
-                    <a:lumMod val="75000"/>
-                    <a:lumOff val="25000"/>
-                  </a:schemeClr>
-                </a:solidFill>
-                <a:latin typeface="Ubuntu" panose="020B0504030602030204" pitchFamily="34" charset="0"/>
-              </a:rPr>
-              <a:t>разходи </a:t>
-            </a:r>
-            <a:r>
-              <a:rPr lang="bg-BG" sz="2800" b="1" dirty="0" smtClean="0">
-                <a:solidFill>
-                  <a:schemeClr val="tx1">
-                    <a:lumMod val="75000"/>
-                    <a:lumOff val="25000"/>
-                  </a:schemeClr>
-                </a:solidFill>
-                <a:latin typeface="Ubuntu" panose="020B0504030602030204" pitchFamily="34" charset="0"/>
-              </a:rPr>
-              <a:t>по сервитьори</a:t>
+              <a:t>Високите разходи по сервитьори</a:t>
             </a:r>
             <a:endParaRPr lang="en-GB" sz="2800" b="1" dirty="0" smtClean="0">
               <a:solidFill>
@@ -6846,55 +6789,7 @@
                 </a:solidFill>
                 <a:latin typeface="Ubuntu" panose="020B0504030602030204" pitchFamily="34" charset="0"/>
               </a:rPr>
-              <a:t>Изградено с най-новите </a:t>
-            </a:r>
-            <a:r>
-              <a:rPr lang="bg-BG" sz="1600" dirty="0" smtClean="0">
-                <a:solidFill>
-                  <a:schemeClr val="tx1">
-                    <a:lumMod val="75000"/>
-                    <a:lumOff val="25000"/>
-                  </a:schemeClr>
-                </a:solidFill>
-                <a:latin typeface="Ubuntu" panose="020B0504030602030204" pitchFamily="34" charset="0"/>
-              </a:rPr>
-              <a:t>технологии</a:t>
-            </a:r>
-            <a:r>
-              <a:rPr lang="bg-BG" sz="1600" dirty="0" smtClean="0">
-                <a:solidFill>
-                  <a:schemeClr val="tx1">
-                    <a:lumMod val="75000"/>
-                    <a:lumOff val="25000"/>
-                  </a:schemeClr>
-                </a:solidFill>
-                <a:latin typeface="Ubuntu" panose="020B0504030602030204" pitchFamily="34" charset="0"/>
-              </a:rPr>
-              <a:t>, предоставайки </a:t>
-            </a:r>
-            <a:r>
-              <a:rPr lang="bg-BG" sz="1600" dirty="0" smtClean="0">
-                <a:solidFill>
-                  <a:schemeClr val="tx1">
-                    <a:lumMod val="75000"/>
-                    <a:lumOff val="25000"/>
-                  </a:schemeClr>
-                </a:solidFill>
-                <a:latin typeface="Ubuntu" panose="020B0504030602030204" pitchFamily="34" charset="0"/>
-              </a:rPr>
-              <a:t>Ви </a:t>
-            </a:r>
-            <a:r>
-              <a:rPr lang="bg-BG" sz="1600" dirty="0" smtClean="0">
-                <a:solidFill>
-                  <a:schemeClr val="tx1">
-                    <a:lumMod val="75000"/>
-                    <a:lumOff val="25000"/>
-                  </a:schemeClr>
-                </a:solidFill>
-                <a:latin typeface="Ubuntu" panose="020B0504030602030204" pitchFamily="34" charset="0"/>
-              </a:rPr>
-              <a:t>изключително бързо приложение.</a:t>
+              <a:t>Изградено с най-новите технологии, предоставайки Ви изключително бързо приложение.</a:t>
             </a:r>
             <a:endParaRPr lang="en-GB" sz="1600" dirty="0" smtClean="0">
               <a:solidFill>
@@ -11587,6 +11482,24 @@
           <a:p>
             <a:pPr algn="r"/>
             <a:r>
+              <a:rPr lang="bg-BG" sz="8800" b="1" dirty="0" smtClean="0">
+                <a:gradFill flip="none" rotWithShape="1">
+                  <a:gsLst>
+                    <a:gs pos="100000">
+                      <a:srgbClr val="EA6984"/>
+                    </a:gs>
+                    <a:gs pos="0">
+                      <a:srgbClr val="D56AA0"/>
+                    </a:gs>
+                  </a:gsLst>
+                  <a:lin ang="13500000" scaled="1"/>
+                  <a:tileRect/>
+                </a:gradFill>
+                <a:latin typeface="Ubuntu" panose="020B0504030602030204" pitchFamily="34" charset="0"/>
+              </a:rPr>
+              <a:t>Какво научихме</a:t>
+            </a:r>
+            <a:r>
               <a:rPr lang="en-GB" sz="8800" b="1" dirty="0" smtClean="0">
                 <a:gradFill flip="none" rotWithShape="1">
                   <a:gsLst>
@@ -11602,7 +11515,7 @@
                 </a:gradFill>
                 <a:latin typeface="Ubuntu" panose="020B0504030602030204" pitchFamily="34" charset="0"/>
               </a:rPr>
-              <a:t>What we learned</a:t>
+              <a:t> </a:t>
             </a:r>
             <a:endParaRPr lang="en-GB" sz="4000" b="1" dirty="0">
               <a:gradFill flip="none" rotWithShape="1">
